--- a/imágenes (almacén, no fuente directa de la página)/sdgrgv.pptx
+++ b/imágenes (almacén, no fuente directa de la página)/sdgrgv.pptx
@@ -8,7 +8,8 @@
     <p:sldId id="256" r:id="rId2"/>
     <p:sldId id="257" r:id="rId3"/>
     <p:sldId id="258" r:id="rId4"/>
-    <p:sldId id="259" r:id="rId5"/>
+    <p:sldId id="260" r:id="rId5"/>
+    <p:sldId id="259" r:id="rId6"/>
   </p:sldIdLst>
   <p:sldSz cx="9144000" cy="6858000" type="screen4x3"/>
   <p:notesSz cx="6858000" cy="9144000"/>
@@ -308,7 +309,7 @@
             <a:fld id="{7A847CFC-816F-41D0-AAC0-9BF4FEBC753E}" type="datetimeFigureOut">
               <a:rPr lang="es-ES" smtClean="0"/>
               <a:pPr/>
-              <a:t>08/04/2022</a:t>
+              <a:t>21/04/2022</a:t>
             </a:fld>
             <a:endParaRPr lang="es-ES"/>
           </a:p>
@@ -475,7 +476,7 @@
             <a:fld id="{7A847CFC-816F-41D0-AAC0-9BF4FEBC753E}" type="datetimeFigureOut">
               <a:rPr lang="es-ES" smtClean="0"/>
               <a:pPr/>
-              <a:t>08/04/2022</a:t>
+              <a:t>21/04/2022</a:t>
             </a:fld>
             <a:endParaRPr lang="es-ES"/>
           </a:p>
@@ -652,7 +653,7 @@
             <a:fld id="{7A847CFC-816F-41D0-AAC0-9BF4FEBC753E}" type="datetimeFigureOut">
               <a:rPr lang="es-ES" smtClean="0"/>
               <a:pPr/>
-              <a:t>08/04/2022</a:t>
+              <a:t>21/04/2022</a:t>
             </a:fld>
             <a:endParaRPr lang="es-ES"/>
           </a:p>
@@ -819,7 +820,7 @@
             <a:fld id="{7A847CFC-816F-41D0-AAC0-9BF4FEBC753E}" type="datetimeFigureOut">
               <a:rPr lang="es-ES" smtClean="0"/>
               <a:pPr/>
-              <a:t>08/04/2022</a:t>
+              <a:t>21/04/2022</a:t>
             </a:fld>
             <a:endParaRPr lang="es-ES"/>
           </a:p>
@@ -1062,7 +1063,7 @@
             <a:fld id="{7A847CFC-816F-41D0-AAC0-9BF4FEBC753E}" type="datetimeFigureOut">
               <a:rPr lang="es-ES" smtClean="0"/>
               <a:pPr/>
-              <a:t>08/04/2022</a:t>
+              <a:t>21/04/2022</a:t>
             </a:fld>
             <a:endParaRPr lang="es-ES"/>
           </a:p>
@@ -1347,7 +1348,7 @@
             <a:fld id="{7A847CFC-816F-41D0-AAC0-9BF4FEBC753E}" type="datetimeFigureOut">
               <a:rPr lang="es-ES" smtClean="0"/>
               <a:pPr/>
-              <a:t>08/04/2022</a:t>
+              <a:t>21/04/2022</a:t>
             </a:fld>
             <a:endParaRPr lang="es-ES"/>
           </a:p>
@@ -1766,7 +1767,7 @@
             <a:fld id="{7A847CFC-816F-41D0-AAC0-9BF4FEBC753E}" type="datetimeFigureOut">
               <a:rPr lang="es-ES" smtClean="0"/>
               <a:pPr/>
-              <a:t>08/04/2022</a:t>
+              <a:t>21/04/2022</a:t>
             </a:fld>
             <a:endParaRPr lang="es-ES"/>
           </a:p>
@@ -1881,7 +1882,7 @@
             <a:fld id="{7A847CFC-816F-41D0-AAC0-9BF4FEBC753E}" type="datetimeFigureOut">
               <a:rPr lang="es-ES" smtClean="0"/>
               <a:pPr/>
-              <a:t>08/04/2022</a:t>
+              <a:t>21/04/2022</a:t>
             </a:fld>
             <a:endParaRPr lang="es-ES"/>
           </a:p>
@@ -1973,7 +1974,7 @@
             <a:fld id="{7A847CFC-816F-41D0-AAC0-9BF4FEBC753E}" type="datetimeFigureOut">
               <a:rPr lang="es-ES" smtClean="0"/>
               <a:pPr/>
-              <a:t>08/04/2022</a:t>
+              <a:t>21/04/2022</a:t>
             </a:fld>
             <a:endParaRPr lang="es-ES"/>
           </a:p>
@@ -2247,7 +2248,7 @@
             <a:fld id="{7A847CFC-816F-41D0-AAC0-9BF4FEBC753E}" type="datetimeFigureOut">
               <a:rPr lang="es-ES" smtClean="0"/>
               <a:pPr/>
-              <a:t>08/04/2022</a:t>
+              <a:t>21/04/2022</a:t>
             </a:fld>
             <a:endParaRPr lang="es-ES"/>
           </a:p>
@@ -2497,7 +2498,7 @@
             <a:fld id="{7A847CFC-816F-41D0-AAC0-9BF4FEBC753E}" type="datetimeFigureOut">
               <a:rPr lang="es-ES" smtClean="0"/>
               <a:pPr/>
-              <a:t>08/04/2022</a:t>
+              <a:t>21/04/2022</a:t>
             </a:fld>
             <a:endParaRPr lang="es-ES"/>
           </a:p>
@@ -2707,7 +2708,7 @@
             <a:fld id="{7A847CFC-816F-41D0-AAC0-9BF4FEBC753E}" type="datetimeFigureOut">
               <a:rPr lang="es-ES" smtClean="0"/>
               <a:pPr/>
-              <a:t>08/04/2022</a:t>
+              <a:t>21/04/2022</a:t>
             </a:fld>
             <a:endParaRPr lang="es-ES"/>
           </a:p>
@@ -3404,6 +3405,65 @@
           </p:cNvPicPr>
           <p:nvPr/>
         </p:nvPicPr>
+        <p:blipFill rotWithShape="1">
+          <a:blip r:embed="rId2">
+            <a:extLst>
+              <a:ext uri="{28A0092B-C50C-407E-A947-70E740481C1C}">
+                <a14:useLocalDpi xmlns:a14="http://schemas.microsoft.com/office/drawing/2010/main" val="0"/>
+              </a:ext>
+            </a:extLst>
+          </a:blip>
+          <a:srcRect l="35314" t="36350" r="35315" b="36350"/>
+          <a:stretch/>
+        </p:blipFill>
+        <p:spPr>
+          <a:xfrm>
+            <a:off x="3635895" y="2492896"/>
+            <a:ext cx="1872209" cy="1872208"/>
+          </a:xfrm>
+          <a:prstGeom prst="rect">
+            <a:avLst/>
+          </a:prstGeom>
+        </p:spPr>
+      </p:pic>
+    </p:spTree>
+    <p:extLst>
+      <p:ext uri="{BB962C8B-B14F-4D97-AF65-F5344CB8AC3E}">
+        <p14:creationId xmlns:p14="http://schemas.microsoft.com/office/powerpoint/2010/main" val="497538493"/>
+      </p:ext>
+    </p:extLst>
+  </p:cSld>
+  <p:clrMapOvr>
+    <a:masterClrMapping/>
+  </p:clrMapOvr>
+</p:sld>
+</file>
+
+<file path=ppt/slides/slide5.xml><?xml version="1.0" encoding="utf-8"?>
+<p:sld xmlns:a="http://schemas.openxmlformats.org/drawingml/2006/main" xmlns:r="http://schemas.openxmlformats.org/officeDocument/2006/relationships" xmlns:p="http://schemas.openxmlformats.org/presentationml/2006/main">
+  <p:cSld>
+    <p:spTree>
+      <p:nvGrpSpPr>
+        <p:cNvPr id="1" name=""/>
+        <p:cNvGrpSpPr/>
+        <p:nvPr/>
+      </p:nvGrpSpPr>
+      <p:grpSpPr>
+        <a:xfrm>
+          <a:off x="0" y="0"/>
+          <a:ext cx="0" cy="0"/>
+          <a:chOff x="0" y="0"/>
+          <a:chExt cx="0" cy="0"/>
+        </a:xfrm>
+      </p:grpSpPr>
+      <p:pic>
+        <p:nvPicPr>
+          <p:cNvPr id="4" name="Imagen 3"/>
+          <p:cNvPicPr>
+            <a:picLocks noChangeAspect="1"/>
+          </p:cNvPicPr>
+          <p:nvPr/>
+        </p:nvPicPr>
         <p:blipFill>
           <a:blip r:embed="rId2"/>
           <a:stretch>
